--- a/description.pptx
+++ b/description.pptx
@@ -247,7 +247,7 @@
           <a:p>
             <a:fld id="{84197049-4717-40E4-B50A-2B66C4623C57}" type="datetimeFigureOut">
               <a:rPr lang="fr-FR" smtClean="0"/>
-              <a:t>05/01/2021</a:t>
+              <a:t>06/01/2021</a:t>
             </a:fld>
             <a:endParaRPr lang="fr-FR"/>
           </a:p>
@@ -417,7 +417,7 @@
           <a:p>
             <a:fld id="{84197049-4717-40E4-B50A-2B66C4623C57}" type="datetimeFigureOut">
               <a:rPr lang="fr-FR" smtClean="0"/>
-              <a:t>05/01/2021</a:t>
+              <a:t>06/01/2021</a:t>
             </a:fld>
             <a:endParaRPr lang="fr-FR"/>
           </a:p>
@@ -597,7 +597,7 @@
           <a:p>
             <a:fld id="{84197049-4717-40E4-B50A-2B66C4623C57}" type="datetimeFigureOut">
               <a:rPr lang="fr-FR" smtClean="0"/>
-              <a:t>05/01/2021</a:t>
+              <a:t>06/01/2021</a:t>
             </a:fld>
             <a:endParaRPr lang="fr-FR"/>
           </a:p>
@@ -767,7 +767,7 @@
           <a:p>
             <a:fld id="{84197049-4717-40E4-B50A-2B66C4623C57}" type="datetimeFigureOut">
               <a:rPr lang="fr-FR" smtClean="0"/>
-              <a:t>05/01/2021</a:t>
+              <a:t>06/01/2021</a:t>
             </a:fld>
             <a:endParaRPr lang="fr-FR"/>
           </a:p>
@@ -1013,7 +1013,7 @@
           <a:p>
             <a:fld id="{84197049-4717-40E4-B50A-2B66C4623C57}" type="datetimeFigureOut">
               <a:rPr lang="fr-FR" smtClean="0"/>
-              <a:t>05/01/2021</a:t>
+              <a:t>06/01/2021</a:t>
             </a:fld>
             <a:endParaRPr lang="fr-FR"/>
           </a:p>
@@ -1245,7 +1245,7 @@
           <a:p>
             <a:fld id="{84197049-4717-40E4-B50A-2B66C4623C57}" type="datetimeFigureOut">
               <a:rPr lang="fr-FR" smtClean="0"/>
-              <a:t>05/01/2021</a:t>
+              <a:t>06/01/2021</a:t>
             </a:fld>
             <a:endParaRPr lang="fr-FR"/>
           </a:p>
@@ -1612,7 +1612,7 @@
           <a:p>
             <a:fld id="{84197049-4717-40E4-B50A-2B66C4623C57}" type="datetimeFigureOut">
               <a:rPr lang="fr-FR" smtClean="0"/>
-              <a:t>05/01/2021</a:t>
+              <a:t>06/01/2021</a:t>
             </a:fld>
             <a:endParaRPr lang="fr-FR"/>
           </a:p>
@@ -1730,7 +1730,7 @@
           <a:p>
             <a:fld id="{84197049-4717-40E4-B50A-2B66C4623C57}" type="datetimeFigureOut">
               <a:rPr lang="fr-FR" smtClean="0"/>
-              <a:t>05/01/2021</a:t>
+              <a:t>06/01/2021</a:t>
             </a:fld>
             <a:endParaRPr lang="fr-FR"/>
           </a:p>
@@ -1825,7 +1825,7 @@
           <a:p>
             <a:fld id="{84197049-4717-40E4-B50A-2B66C4623C57}" type="datetimeFigureOut">
               <a:rPr lang="fr-FR" smtClean="0"/>
-              <a:t>05/01/2021</a:t>
+              <a:t>06/01/2021</a:t>
             </a:fld>
             <a:endParaRPr lang="fr-FR"/>
           </a:p>
@@ -2102,7 +2102,7 @@
           <a:p>
             <a:fld id="{84197049-4717-40E4-B50A-2B66C4623C57}" type="datetimeFigureOut">
               <a:rPr lang="fr-FR" smtClean="0"/>
-              <a:t>05/01/2021</a:t>
+              <a:t>06/01/2021</a:t>
             </a:fld>
             <a:endParaRPr lang="fr-FR"/>
           </a:p>
@@ -2359,7 +2359,7 @@
           <a:p>
             <a:fld id="{84197049-4717-40E4-B50A-2B66C4623C57}" type="datetimeFigureOut">
               <a:rPr lang="fr-FR" smtClean="0"/>
-              <a:t>05/01/2021</a:t>
+              <a:t>06/01/2021</a:t>
             </a:fld>
             <a:endParaRPr lang="fr-FR"/>
           </a:p>
@@ -2577,7 +2577,7 @@
           <a:p>
             <a:fld id="{84197049-4717-40E4-B50A-2B66C4623C57}" type="datetimeFigureOut">
               <a:rPr lang="fr-FR" smtClean="0"/>
-              <a:t>05/01/2021</a:t>
+              <a:t>06/01/2021</a:t>
             </a:fld>
             <a:endParaRPr lang="fr-FR"/>
           </a:p>
